--- a/naan mudhalvan ppt.pptx
+++ b/naan mudhalvan ppt.pptx
@@ -5,7 +5,7 @@
     <p:sldMasterId id="2147483648" r:id="rId1"/>
   </p:sldMasterIdLst>
   <p:notesMasterIdLst>
-    <p:notesMasterId r:id="rId13"/>
+    <p:notesMasterId r:id="rId14"/>
   </p:notesMasterIdLst>
   <p:sldIdLst>
     <p:sldId id="256" r:id="rId2"/>
@@ -19,6 +19,7 @@
     <p:sldId id="269" r:id="rId10"/>
     <p:sldId id="263" r:id="rId11"/>
     <p:sldId id="265" r:id="rId12"/>
+    <p:sldId id="270" r:id="rId13"/>
   </p:sldIdLst>
   <p:sldSz cx="12192000" cy="6858000"/>
   <p:notesSz cx="12192000" cy="6858000"/>
@@ -136,14 +137,6 @@
 </p:presentation>
 </file>
 
-<file path=ppt/revisionInfo.xml><?xml version="1.0" encoding="utf-8"?>
-<p1510:revInfo xmlns:a="http://schemas.openxmlformats.org/drawingml/2006/main" xmlns:r="http://schemas.openxmlformats.org/officeDocument/2006/relationships" xmlns:p1510="http://schemas.microsoft.com/office/powerpoint/2015/10/main">
-  <p1510:revLst>
-    <p1510:client id="{D5830CC7-8040-4162-8342-BB180D82127D}" v="17" dt="2024-08-20T06:41:39.573"/>
-  </p1510:revLst>
-</p1510:revInfo>
-</file>
-
 <file path=ppt/notesMasters/notesMaster1.xml><?xml version="1.0" encoding="utf-8"?>
 <p:notesMaster xmlns:a="http://schemas.openxmlformats.org/drawingml/2006/main" xmlns:r="http://schemas.openxmlformats.org/officeDocument/2006/relationships" xmlns:p="http://schemas.openxmlformats.org/presentationml/2006/main">
   <p:cSld>
@@ -226,7 +219,7 @@
           <a:p>
             <a:fld id="{84B86612-B127-4CD0-BF15-66D49A7175F7}" type="datetimeFigureOut">
               <a:rPr lang="en-IN" smtClean="0"/>
-              <a:t>31-Aug-2025</a:t>
+              <a:t>17-09-2025</a:t>
             </a:fld>
             <a:endParaRPr lang="en-IN"/>
           </a:p>
@@ -723,7 +716,7 @@
           <a:p>
             <a:fld id="{1D8BD707-D9CF-40AE-B4C6-C98DA3205C09}" type="datetimeFigureOut">
               <a:rPr lang="en-US"/>
-              <a:t>8/31/2025</a:t>
+              <a:t>9/17/2025</a:t>
             </a:fld>
             <a:endParaRPr lang="en-US"/>
           </a:p>
@@ -903,7 +896,7 @@
           <a:p>
             <a:fld id="{1D8BD707-D9CF-40AE-B4C6-C98DA3205C09}" type="datetimeFigureOut">
               <a:rPr lang="en-US"/>
-              <a:t>8/31/2025</a:t>
+              <a:t>9/17/2025</a:t>
             </a:fld>
             <a:endParaRPr lang="en-US"/>
           </a:p>
@@ -1126,7 +1119,7 @@
           <a:p>
             <a:fld id="{1D8BD707-D9CF-40AE-B4C6-C98DA3205C09}" type="datetimeFigureOut">
               <a:rPr lang="en-US"/>
-              <a:t>8/31/2025</a:t>
+              <a:t>9/17/2025</a:t>
             </a:fld>
             <a:endParaRPr lang="en-US"/>
           </a:p>
@@ -1283,7 +1276,7 @@
           <a:p>
             <a:fld id="{1D8BD707-D9CF-40AE-B4C6-C98DA3205C09}" type="datetimeFigureOut">
               <a:rPr lang="en-US"/>
-              <a:t>8/31/2025</a:t>
+              <a:t>9/17/2025</a:t>
             </a:fld>
             <a:endParaRPr lang="en-US"/>
           </a:p>
@@ -1411,7 +1404,7 @@
           <a:p>
             <a:fld id="{1D8BD707-D9CF-40AE-B4C6-C98DA3205C09}" type="datetimeFigureOut">
               <a:rPr lang="en-US"/>
-              <a:t>8/31/2025</a:t>
+              <a:t>9/17/2025</a:t>
             </a:fld>
             <a:endParaRPr lang="en-US"/>
           </a:p>
@@ -2130,7 +2123,7 @@
           <a:p>
             <a:fld id="{1D8BD707-D9CF-40AE-B4C6-C98DA3205C09}" type="datetimeFigureOut">
               <a:rPr lang="en-US"/>
-              <a:t>8/31/2025</a:t>
+              <a:t>9/17/2025</a:t>
             </a:fld>
             <a:endParaRPr lang="en-US"/>
           </a:p>
@@ -3860,6 +3853,100 @@
         </p:txBody>
       </p:sp>
     </p:spTree>
+  </p:cSld>
+  <p:clrMapOvr>
+    <a:masterClrMapping/>
+  </p:clrMapOvr>
+</p:sld>
+</file>
+
+<file path=ppt/slides/slide12.xml><?xml version="1.0" encoding="utf-8"?>
+<p:sld xmlns:a="http://schemas.openxmlformats.org/drawingml/2006/main" xmlns:r="http://schemas.openxmlformats.org/officeDocument/2006/relationships" xmlns:p="http://schemas.openxmlformats.org/presentationml/2006/main">
+  <p:cSld>
+    <p:spTree>
+      <p:nvGrpSpPr>
+        <p:cNvPr id="1" name=""/>
+        <p:cNvGrpSpPr/>
+        <p:nvPr/>
+      </p:nvGrpSpPr>
+      <p:grpSpPr>
+        <a:xfrm>
+          <a:off x="0" y="0"/>
+          <a:ext cx="0" cy="0"/>
+          <a:chOff x="0" y="0"/>
+          <a:chExt cx="0" cy="0"/>
+        </a:xfrm>
+      </p:grpSpPr>
+      <p:sp>
+        <p:nvSpPr>
+          <p:cNvPr id="2" name="Title 1">
+            <a:extLst>
+              <a:ext uri="{FF2B5EF4-FFF2-40B4-BE49-F238E27FC236}">
+                <a16:creationId xmlns:a16="http://schemas.microsoft.com/office/drawing/2014/main" id="{8618871B-8DB6-4182-1CBC-16DA909830D4}"/>
+              </a:ext>
+            </a:extLst>
+          </p:cNvPr>
+          <p:cNvSpPr>
+            <a:spLocks noGrp="1"/>
+          </p:cNvSpPr>
+          <p:nvPr>
+            <p:ph type="title"/>
+          </p:nvPr>
+        </p:nvSpPr>
+        <p:spPr/>
+        <p:txBody>
+          <a:bodyPr/>
+          <a:lstStyle/>
+          <a:p>
+            <a:r>
+              <a:rPr lang="en-IN" dirty="0"/>
+              <a:t>GITHUB LINK:</a:t>
+            </a:r>
+            <a:endParaRPr lang="en-US" dirty="0"/>
+          </a:p>
+        </p:txBody>
+      </p:sp>
+      <p:sp>
+        <p:nvSpPr>
+          <p:cNvPr id="4" name="TextBox 3">
+            <a:extLst>
+              <a:ext uri="{FF2B5EF4-FFF2-40B4-BE49-F238E27FC236}">
+                <a16:creationId xmlns:a16="http://schemas.microsoft.com/office/drawing/2014/main" id="{11C97274-1054-70AA-6BC9-AE5E969FA9B5}"/>
+              </a:ext>
+            </a:extLst>
+          </p:cNvPr>
+          <p:cNvSpPr txBox="1"/>
+          <p:nvPr/>
+        </p:nvSpPr>
+        <p:spPr>
+          <a:xfrm>
+            <a:off x="887506" y="2026627"/>
+            <a:ext cx="6101976" cy="369332"/>
+          </a:xfrm>
+          <a:prstGeom prst="rect">
+            <a:avLst/>
+          </a:prstGeom>
+          <a:noFill/>
+        </p:spPr>
+        <p:txBody>
+          <a:bodyPr wrap="square">
+            <a:spAutoFit/>
+          </a:bodyPr>
+          <a:lstStyle/>
+          <a:p>
+            <a:r>
+              <a:rPr lang="en-US" dirty="0"/>
+              <a:t>https://kavikasri46.github.io/Kavika/</a:t>
+            </a:r>
+          </a:p>
+        </p:txBody>
+      </p:sp>
+    </p:spTree>
+    <p:extLst>
+      <p:ext uri="{BB962C8B-B14F-4D97-AF65-F5344CB8AC3E}">
+        <p14:creationId xmlns:p14="http://schemas.microsoft.com/office/powerpoint/2010/main" val="4166413664"/>
+      </p:ext>
+    </p:extLst>
   </p:cSld>
   <p:clrMapOvr>
     <a:masterClrMapping/>
